--- a/睡觉识别开题报告--人机交互.pptx
+++ b/睡觉识别开题报告--人机交互.pptx
@@ -5,19 +5,29 @@
     <p:sldMasterId id="2147483648" r:id="rId1"/>
   </p:sldMasterIdLst>
   <p:notesMasterIdLst>
-    <p:notesMasterId r:id="rId9"/>
+    <p:notesMasterId r:id="rId10"/>
   </p:notesMasterIdLst>
   <p:sldIdLst>
-    <p:sldId id="258" r:id="rId3"/>
-    <p:sldId id="275" r:id="rId4"/>
-    <p:sldId id="269" r:id="rId5"/>
-    <p:sldId id="263" r:id="rId6"/>
-    <p:sldId id="277" r:id="rId7"/>
-    <p:sldId id="276" r:id="rId8"/>
+    <p:sldId id="258" r:id="rId2"/>
+    <p:sldId id="275" r:id="rId3"/>
+    <p:sldId id="269" r:id="rId4"/>
+    <p:sldId id="263" r:id="rId5"/>
+    <p:sldId id="277" r:id="rId6"/>
+    <p:sldId id="278" r:id="rId7"/>
+    <p:sldId id="279" r:id="rId8"/>
+    <p:sldId id="276" r:id="rId9"/>
   </p:sldIdLst>
   <p:sldSz cx="12192000" cy="6858000"/>
   <p:notesSz cx="6858000" cy="9144000"/>
   <p:embeddedFontLst>
+    <p:embeddedFont>
+      <p:font typeface="ＭＳ Ｐゴシック" panose="020B0600070205080204" pitchFamily="34" charset="-128"/>
+      <p:regular r:id="rId11"/>
+    </p:embeddedFont>
+    <p:embeddedFont>
+      <p:font typeface="等线 Light" panose="02010600030101010101" pitchFamily="2" charset="-122"/>
+      <p:regular r:id="rId12"/>
+    </p:embeddedFont>
     <p:embeddedFont>
       <p:font typeface="方正兰亭准黑_GBK" panose="02000000000000000000" pitchFamily="2" charset="-122"/>
       <p:regular r:id="rId13"/>
@@ -25,21 +35,19 @@
     <p:embeddedFont>
       <p:font typeface="微软雅黑" panose="020B0503020204020204" pitchFamily="34" charset="-122"/>
       <p:regular r:id="rId14"/>
+      <p:bold r:id="rId15"/>
+    </p:embeddedFont>
+    <p:embeddedFont>
+      <p:font typeface="等线" panose="02010600030101010101" pitchFamily="2" charset="-122"/>
+      <p:regular r:id="rId16"/>
+      <p:bold r:id="rId17"/>
     </p:embeddedFont>
     <p:embeddedFont>
       <p:font typeface="Calibri" panose="020F0502020204030204" pitchFamily="34" charset="0"/>
-      <p:regular r:id="rId15"/>
-      <p:bold r:id="rId16"/>
-      <p:italic r:id="rId17"/>
-      <p:boldItalic r:id="rId18"/>
-    </p:embeddedFont>
-    <p:embeddedFont>
-      <p:font typeface="等线" panose="02010600030101010101" charset="-122"/>
-      <p:regular r:id="rId19"/>
-    </p:embeddedFont>
-    <p:embeddedFont>
-      <p:font typeface="等线 Light" panose="02010600030101010101" charset="-122"/>
-      <p:regular r:id="rId20"/>
+      <p:regular r:id="rId18"/>
+      <p:bold r:id="rId19"/>
+      <p:italic r:id="rId20"/>
+      <p:boldItalic r:id="rId21"/>
     </p:embeddedFont>
   </p:embeddedFontLst>
   <p:defaultTextStyle>
@@ -137,6 +145,22 @@
       </a:defRPr>
     </a:lvl9pPr>
   </p:defaultTextStyle>
+  <p:extLst>
+    <p:ext uri="{EFAFB233-063F-42B5-8137-9DF3F51BA10A}">
+      <p15:sldGuideLst xmlns:p15="http://schemas.microsoft.com/office/powerpoint/2012/main">
+        <p15:guide id="1" orient="horz" pos="2137">
+          <p15:clr>
+            <a:srgbClr val="A4A3A4"/>
+          </p15:clr>
+        </p15:guide>
+        <p15:guide id="2" pos="3840">
+          <p15:clr>
+            <a:srgbClr val="A4A3A4"/>
+          </p15:clr>
+        </p15:guide>
+      </p15:sldGuideLst>
+    </p:ext>
+  </p:extLst>
 </p:presentation>
 </file>
 
@@ -222,6 +246,7 @@
           <a:p>
             <a:fld id="{A109EA2A-4C48-4C61-B30A-DAB1A3E93B21}" type="datetimeFigureOut">
               <a:rPr lang="zh-CN" altLang="en-US" smtClean="0"/>
+              <a:t>2019/9/27</a:t>
             </a:fld>
             <a:endParaRPr lang="zh-CN" altLang="en-US"/>
           </a:p>
@@ -288,7 +313,6 @@
               <a:rPr lang="zh-CN" altLang="en-US"/>
               <a:t>编辑母版文本样式</a:t>
             </a:r>
-            <a:endParaRPr lang="zh-CN" altLang="en-US"/>
           </a:p>
           <a:p>
             <a:pPr lvl="1"/>
@@ -296,7 +320,6 @@
               <a:rPr lang="zh-CN" altLang="en-US"/>
               <a:t>第二级</a:t>
             </a:r>
-            <a:endParaRPr lang="zh-CN" altLang="en-US"/>
           </a:p>
           <a:p>
             <a:pPr lvl="2"/>
@@ -304,7 +327,6 @@
               <a:rPr lang="zh-CN" altLang="en-US"/>
               <a:t>第三级</a:t>
             </a:r>
-            <a:endParaRPr lang="zh-CN" altLang="en-US"/>
           </a:p>
           <a:p>
             <a:pPr lvl="3"/>
@@ -312,7 +334,6 @@
               <a:rPr lang="zh-CN" altLang="en-US"/>
               <a:t>第四级</a:t>
             </a:r>
-            <a:endParaRPr lang="zh-CN" altLang="en-US"/>
           </a:p>
           <a:p>
             <a:pPr lvl="4"/>
@@ -320,7 +341,6 @@
               <a:rPr lang="zh-CN" altLang="en-US"/>
               <a:t>第五级</a:t>
             </a:r>
-            <a:endParaRPr lang="zh-CN" altLang="en-US"/>
           </a:p>
         </p:txBody>
       </p:sp>
@@ -384,6 +404,7 @@
           <a:p>
             <a:fld id="{74B31000-9408-426B-B873-D4C066E48AF8}" type="slidenum">
               <a:rPr lang="zh-CN" altLang="en-US" smtClean="0"/>
+              <a:t>‹#›</a:t>
             </a:fld>
             <a:endParaRPr lang="zh-CN" altLang="en-US"/>
           </a:p>
@@ -543,7 +564,7 @@
     <p:bg>
       <p:bgPr>
         <a:blipFill dpi="0" rotWithShape="1">
-          <a:blip r:embed="rId3">
+          <a:blip r:embed="rId4">
             <a:lum/>
           </a:blip>
           <a:srcRect/>
@@ -1147,13 +1168,6 @@
               </a:rPr>
               <a:t>今天课上你睡着了吗？</a:t>
             </a:r>
-            <a:endParaRPr lang="zh-CN" altLang="en-US" sz="3600" dirty="0">
-              <a:solidFill>
-                <a:schemeClr val="bg1"/>
-              </a:solidFill>
-              <a:latin typeface="方正兰亭准黑_GBK" panose="02000000000000000000" pitchFamily="2" charset="-122"/>
-              <a:ea typeface="方正兰亭准黑_GBK" panose="02000000000000000000" pitchFamily="2" charset="-122"/>
-            </a:endParaRPr>
           </a:p>
           <a:p>
             <a:r>
@@ -1164,7 +1178,7 @@
                 <a:latin typeface="方正兰亭准黑_GBK" panose="02000000000000000000" pitchFamily="2" charset="-122"/>
                 <a:ea typeface="方正兰亭准黑_GBK" panose="02000000000000000000" pitchFamily="2" charset="-122"/>
               </a:rPr>
-              <a:t>--bu'fen</a:t>
+              <a:t>--</a:t>
             </a:r>
             <a:r>
               <a:rPr lang="zh-CN" altLang="en-US" sz="3600" dirty="0">
@@ -1176,13 +1190,6 @@
               </a:rPr>
               <a:t>人机部分</a:t>
             </a:r>
-            <a:endParaRPr lang="zh-CN" altLang="en-US" sz="3600" dirty="0">
-              <a:solidFill>
-                <a:schemeClr val="bg1"/>
-              </a:solidFill>
-              <a:latin typeface="方正兰亭准黑_GBK" panose="02000000000000000000" pitchFamily="2" charset="-122"/>
-              <a:ea typeface="方正兰亭准黑_GBK" panose="02000000000000000000" pitchFamily="2" charset="-122"/>
-            </a:endParaRPr>
           </a:p>
         </p:txBody>
       </p:sp>
@@ -1221,20 +1228,7 @@
                 <a:latin typeface="微软雅黑" panose="020B0503020204020204" pitchFamily="34" charset="-122"/>
                 <a:ea typeface="微软雅黑" panose="020B0503020204020204" pitchFamily="34" charset="-122"/>
               </a:rPr>
-              <a:t>组员：侯耀儒</a:t>
-            </a:r>
-            <a:r>
-              <a:rPr lang="zh-CN" altLang="en-US" dirty="0">
-                <a:solidFill>
-                  <a:schemeClr val="tx1">
-                    <a:lumMod val="65000"/>
-                    <a:lumOff val="35000"/>
-                  </a:schemeClr>
-                </a:solidFill>
-                <a:latin typeface="微软雅黑" panose="020B0503020204020204" pitchFamily="34" charset="-122"/>
-                <a:ea typeface="微软雅黑" panose="020B0503020204020204" pitchFamily="34" charset="-122"/>
-              </a:rPr>
-              <a:t> 施泽楠 肖杨宏昊</a:t>
+              <a:t>组员：侯耀儒 施泽楠 肖杨宏昊</a:t>
             </a:r>
             <a:endParaRPr lang="en-US" altLang="zh-CN" dirty="0">
               <a:solidFill>
@@ -1549,9 +1543,6 @@
               </a:rPr>
               <a:t>简介</a:t>
             </a:r>
-            <a:endParaRPr lang="zh-CN" altLang="en-US" dirty="0">
-              <a:latin typeface="+mj-lt"/>
-            </a:endParaRPr>
           </a:p>
         </p:txBody>
       </p:sp>
@@ -1584,9 +1575,6 @@
               </a:rPr>
               <a:t>思路</a:t>
             </a:r>
-            <a:endParaRPr lang="zh-CN" altLang="en-US" dirty="0">
-              <a:latin typeface="+mj-lt"/>
-            </a:endParaRPr>
           </a:p>
         </p:txBody>
       </p:sp>
@@ -1619,9 +1607,6 @@
               </a:rPr>
               <a:t>初步设想</a:t>
             </a:r>
-            <a:endParaRPr lang="zh-CN" altLang="en-US" dirty="0">
-              <a:latin typeface="+mj-lt"/>
-            </a:endParaRPr>
           </a:p>
         </p:txBody>
       </p:sp>
@@ -1654,9 +1639,6 @@
               </a:rPr>
               <a:t>预期目标</a:t>
             </a:r>
-            <a:endParaRPr lang="zh-CN" altLang="en-US" dirty="0">
-              <a:latin typeface="+mj-lt"/>
-            </a:endParaRPr>
           </a:p>
         </p:txBody>
       </p:sp>
@@ -1752,20 +1734,6 @@
               </a:rPr>
               <a:t>目录</a:t>
             </a:r>
-            <a:endParaRPr lang="zh-CN" altLang="en-US" sz="4400" dirty="0">
-              <a:solidFill>
-                <a:schemeClr val="bg1"/>
-              </a:solidFill>
-              <a:effectLst>
-                <a:outerShdw blurRad="38100" dist="38100" dir="2700000" algn="tl">
-                  <a:srgbClr val="000000">
-                    <a:alpha val="43137"/>
-                  </a:srgbClr>
-                </a:outerShdw>
-              </a:effectLst>
-              <a:latin typeface="+mj-lt"/>
-              <a:cs typeface="Arial" panose="020B0604020202020204" pitchFamily="34" charset="0"/>
-            </a:endParaRPr>
           </a:p>
         </p:txBody>
       </p:sp>
@@ -2380,7 +2348,6 @@
               <a:rPr lang="zh-CN" altLang="en-US" dirty="0"/>
               <a:t>在判断学生状态的基础上，对犯困的学生加以提醒，并告知老师。同时支持老师重点标记容易犯困的同学，对其进行更高频率的检测。</a:t>
             </a:r>
-            <a:endParaRPr lang="zh-CN" altLang="en-US" dirty="0"/>
           </a:p>
         </p:txBody>
       </p:sp>
@@ -3728,14 +3695,6 @@
               </a:rPr>
               <a:t>简介</a:t>
             </a:r>
-            <a:endParaRPr lang="zh-CN" altLang="en-US" sz="2000" b="1" dirty="0">
-              <a:solidFill>
-                <a:schemeClr val="tx1">
-                  <a:lumMod val="75000"/>
-                  <a:lumOff val="25000"/>
-                </a:schemeClr>
-              </a:solidFill>
-            </a:endParaRPr>
           </a:p>
         </p:txBody>
       </p:sp>
@@ -4207,13 +4166,6 @@
               </a:rPr>
               <a:t>识别学生状态</a:t>
             </a:r>
-            <a:endParaRPr lang="zh-CN" altLang="en-US" sz="1400" dirty="0">
-              <a:solidFill>
-                <a:srgbClr val="48A2A0"/>
-              </a:solidFill>
-              <a:effectLst/>
-              <a:ea typeface="Calibri" panose="020F0502020204030204" pitchFamily="34" charset="0"/>
-            </a:endParaRPr>
           </a:p>
         </p:txBody>
       </p:sp>
@@ -4345,14 +4297,6 @@
               </a:rPr>
               <a:t>流程</a:t>
             </a:r>
-            <a:endParaRPr lang="zh-CN" altLang="en-US" sz="2000" b="1" dirty="0">
-              <a:solidFill>
-                <a:schemeClr val="tx1">
-                  <a:lumMod val="75000"/>
-                  <a:lumOff val="25000"/>
-                </a:schemeClr>
-              </a:solidFill>
-            </a:endParaRPr>
           </a:p>
         </p:txBody>
       </p:sp>
@@ -4428,13 +4372,6 @@
               </a:rPr>
               <a:t>标记多次犯困学生</a:t>
             </a:r>
-            <a:endParaRPr lang="zh-CN" altLang="en-US" dirty="0">
-              <a:solidFill>
-                <a:srgbClr val="48A2A0"/>
-              </a:solidFill>
-              <a:effectLst/>
-              <a:ea typeface="Calibri" panose="020F0502020204030204" pitchFamily="34" charset="0"/>
-            </a:endParaRPr>
           </a:p>
           <a:p>
             <a:r>
@@ -4447,13 +4384,6 @@
               </a:rPr>
               <a:t>高频检测</a:t>
             </a:r>
-            <a:endParaRPr lang="zh-CN" altLang="en-US" dirty="0">
-              <a:solidFill>
-                <a:srgbClr val="48A2A0"/>
-              </a:solidFill>
-              <a:effectLst/>
-              <a:ea typeface="Calibri" panose="020F0502020204030204" pitchFamily="34" charset="0"/>
-            </a:endParaRPr>
           </a:p>
         </p:txBody>
       </p:sp>
@@ -4488,13 +4418,6 @@
               </a:rPr>
               <a:t>告知老师</a:t>
             </a:r>
-            <a:endParaRPr lang="zh-CN" altLang="en-US" dirty="0">
-              <a:solidFill>
-                <a:srgbClr val="48A2A0"/>
-              </a:solidFill>
-              <a:effectLst/>
-              <a:ea typeface="Calibri" panose="020F0502020204030204" pitchFamily="34" charset="0"/>
-            </a:endParaRPr>
           </a:p>
         </p:txBody>
       </p:sp>
@@ -4529,13 +4452,6 @@
               </a:rPr>
               <a:t>提醒学生</a:t>
             </a:r>
-            <a:endParaRPr lang="zh-CN" altLang="en-US" dirty="0">
-              <a:solidFill>
-                <a:srgbClr val="48A2A0"/>
-              </a:solidFill>
-              <a:effectLst/>
-              <a:ea typeface="Calibri" panose="020F0502020204030204" pitchFamily="34" charset="0"/>
-            </a:endParaRPr>
           </a:p>
         </p:txBody>
       </p:sp>
@@ -4948,11 +4864,6 @@
               </a:rPr>
               <a:t>一些可能可以用到的方法思路</a:t>
             </a:r>
-            <a:endParaRPr lang="zh-CN" altLang="en-US" dirty="0">
-              <a:solidFill>
-                <a:schemeClr val="bg1"/>
-              </a:solidFill>
-            </a:endParaRPr>
           </a:p>
         </p:txBody>
       </p:sp>
@@ -5131,12 +5042,6 @@
               </a:rPr>
               <a:t>提醒学生，考虑在学生位置添加震动马达（通过蓝牙控制）震动提醒，或者声音播报（可能会影响上课进程）</a:t>
             </a:r>
-            <a:endParaRPr lang="zh-CN" altLang="en-US" dirty="0">
-              <a:solidFill>
-                <a:srgbClr val="48A2A0"/>
-              </a:solidFill>
-              <a:latin typeface="Futura Bk BT" panose="020B0502020204020303" pitchFamily="34" charset="0"/>
-            </a:endParaRPr>
           </a:p>
         </p:txBody>
       </p:sp>
@@ -5171,12 +5076,6 @@
               </a:rPr>
               <a:t>老师也可设置重点关注学生</a:t>
             </a:r>
-            <a:endParaRPr lang="zh-CN" altLang="en-US" dirty="0">
-              <a:solidFill>
-                <a:srgbClr val="48A2A0"/>
-              </a:solidFill>
-              <a:latin typeface="Futura Bk BT" panose="020B0502020204020303" pitchFamily="34" charset="0"/>
-            </a:endParaRPr>
           </a:p>
         </p:txBody>
       </p:sp>
@@ -5211,12 +5110,6 @@
               </a:rPr>
               <a:t>对于多次检测到犯困的学生，对其进行标记，更高频地检测其状态</a:t>
             </a:r>
-            <a:endParaRPr lang="zh-CN" altLang="en-US" dirty="0">
-              <a:solidFill>
-                <a:srgbClr val="48A2A0"/>
-              </a:solidFill>
-              <a:latin typeface="Futura Bk BT" panose="020B0502020204020303" pitchFamily="34" charset="0"/>
-            </a:endParaRPr>
           </a:p>
         </p:txBody>
       </p:sp>
@@ -5249,16 +5142,7 @@
                 </a:solidFill>
                 <a:latin typeface="Futura Bk BT" panose="020B0502020204020303" pitchFamily="34" charset="0"/>
               </a:rPr>
-              <a:t>告知</a:t>
-            </a:r>
-            <a:r>
-              <a:rPr lang="zh-CN" altLang="en-US" dirty="0">
-                <a:solidFill>
-                  <a:srgbClr val="48A2A0"/>
-                </a:solidFill>
-                <a:latin typeface="Futura Bk BT" panose="020B0502020204020303" pitchFamily="34" charset="0"/>
-              </a:rPr>
-              <a:t>老师，考虑通过设备上的</a:t>
+              <a:t>告知老师，考虑通过设备上的</a:t>
             </a:r>
             <a:r>
               <a:rPr lang="en-US" altLang="zh-CN" dirty="0">
@@ -5278,12 +5162,6 @@
               </a:rPr>
               <a:t>显示屏实现</a:t>
             </a:r>
-            <a:endParaRPr lang="zh-CN" altLang="en-US" dirty="0">
-              <a:solidFill>
-                <a:srgbClr val="48A2A0"/>
-              </a:solidFill>
-              <a:latin typeface="Futura Bk BT" panose="020B0502020204020303" pitchFamily="34" charset="0"/>
-            </a:endParaRPr>
           </a:p>
         </p:txBody>
       </p:sp>
@@ -5607,14 +5485,6 @@
               </a:rPr>
               <a:t>初步设想</a:t>
             </a:r>
-            <a:endParaRPr lang="zh-CN" altLang="en-US" sz="2000" b="1" dirty="0">
-              <a:solidFill>
-                <a:schemeClr val="tx1">
-                  <a:lumMod val="75000"/>
-                  <a:lumOff val="25000"/>
-                </a:schemeClr>
-              </a:solidFill>
-            </a:endParaRPr>
           </a:p>
         </p:txBody>
       </p:sp>
@@ -5645,6 +5515,1411 @@
       </p:grpSpPr>
       <p:sp>
         <p:nvSpPr>
+          <p:cNvPr id="3" name="椭圆 2"/>
+          <p:cNvSpPr/>
+          <p:nvPr/>
+        </p:nvSpPr>
+        <p:spPr>
+          <a:xfrm>
+            <a:off x="4609754" y="2096495"/>
+            <a:ext cx="3139440" cy="3139440"/>
+          </a:xfrm>
+          <a:prstGeom prst="ellipse">
+            <a:avLst/>
+          </a:prstGeom>
+          <a:solidFill>
+            <a:srgbClr val="6C92C0">
+              <a:alpha val="70000"/>
+            </a:srgbClr>
+          </a:solidFill>
+          <a:ln>
+            <a:noFill/>
+          </a:ln>
+        </p:spPr>
+        <p:style>
+          <a:lnRef idx="2">
+            <a:schemeClr val="accent1">
+              <a:shade val="50000"/>
+            </a:schemeClr>
+          </a:lnRef>
+          <a:fillRef idx="1">
+            <a:schemeClr val="accent1"/>
+          </a:fillRef>
+          <a:effectRef idx="0">
+            <a:schemeClr val="accent1"/>
+          </a:effectRef>
+          <a:fontRef idx="minor">
+            <a:schemeClr val="lt1"/>
+          </a:fontRef>
+        </p:style>
+        <p:txBody>
+          <a:bodyPr rtlCol="0" anchor="ctr"/>
+          <a:lstStyle/>
+          <a:p>
+            <a:pPr algn="ctr"/>
+            <a:endParaRPr lang="zh-CN" altLang="en-US"/>
+          </a:p>
+        </p:txBody>
+      </p:sp>
+      <p:sp>
+        <p:nvSpPr>
+          <p:cNvPr id="4" name="椭圆 3"/>
+          <p:cNvSpPr/>
+          <p:nvPr/>
+        </p:nvSpPr>
+        <p:spPr>
+          <a:xfrm>
+            <a:off x="1069068" y="2003930"/>
+            <a:ext cx="3139440" cy="3139440"/>
+          </a:xfrm>
+          <a:prstGeom prst="ellipse">
+            <a:avLst/>
+          </a:prstGeom>
+          <a:solidFill>
+            <a:srgbClr val="48A2A0">
+              <a:alpha val="70000"/>
+            </a:srgbClr>
+          </a:solidFill>
+          <a:ln>
+            <a:noFill/>
+          </a:ln>
+        </p:spPr>
+        <p:style>
+          <a:lnRef idx="2">
+            <a:schemeClr val="accent1">
+              <a:shade val="50000"/>
+            </a:schemeClr>
+          </a:lnRef>
+          <a:fillRef idx="1">
+            <a:schemeClr val="accent1"/>
+          </a:fillRef>
+          <a:effectRef idx="0">
+            <a:schemeClr val="accent1"/>
+          </a:effectRef>
+          <a:fontRef idx="minor">
+            <a:schemeClr val="lt1"/>
+          </a:fontRef>
+        </p:style>
+        <p:txBody>
+          <a:bodyPr rtlCol="0" anchor="ctr"/>
+          <a:lstStyle/>
+          <a:p>
+            <a:pPr algn="ctr"/>
+            <a:endParaRPr lang="zh-CN" altLang="en-US"/>
+          </a:p>
+        </p:txBody>
+      </p:sp>
+      <p:sp>
+        <p:nvSpPr>
+          <p:cNvPr id="7" name="文本框 6"/>
+          <p:cNvSpPr txBox="1"/>
+          <p:nvPr/>
+        </p:nvSpPr>
+        <p:spPr>
+          <a:xfrm>
+            <a:off x="1255563" y="3127606"/>
+            <a:ext cx="2812915" cy="1077218"/>
+          </a:xfrm>
+          <a:prstGeom prst="rect">
+            <a:avLst/>
+          </a:prstGeom>
+          <a:noFill/>
+        </p:spPr>
+        <p:txBody>
+          <a:bodyPr wrap="square" rtlCol="0">
+            <a:spAutoFit/>
+          </a:bodyPr>
+          <a:lstStyle/>
+          <a:p>
+            <a:pPr algn="ctr"/>
+            <a:r>
+              <a:rPr lang="en-US" altLang="zh-CN" sz="3200" dirty="0">
+                <a:solidFill>
+                  <a:schemeClr val="bg1"/>
+                </a:solidFill>
+                <a:latin typeface="+mj-lt"/>
+              </a:rPr>
+              <a:t>1</a:t>
+            </a:r>
+            <a:r>
+              <a:rPr lang="zh-CN" altLang="en-US" sz="3200" dirty="0">
+                <a:solidFill>
+                  <a:schemeClr val="bg1"/>
+                </a:solidFill>
+                <a:latin typeface="+mj-lt"/>
+              </a:rPr>
+              <a:t>、人脸和表</a:t>
+            </a:r>
+            <a:endParaRPr lang="en-US" altLang="zh-CN" sz="3200" dirty="0">
+              <a:solidFill>
+                <a:schemeClr val="bg1"/>
+              </a:solidFill>
+              <a:latin typeface="+mj-lt"/>
+            </a:endParaRPr>
+          </a:p>
+          <a:p>
+            <a:pPr algn="ctr"/>
+            <a:r>
+              <a:rPr lang="zh-CN" altLang="en-US" sz="3200" dirty="0">
+                <a:solidFill>
+                  <a:schemeClr val="bg1"/>
+                </a:solidFill>
+                <a:latin typeface="+mj-lt"/>
+              </a:rPr>
+              <a:t>情的识别</a:t>
+            </a:r>
+          </a:p>
+        </p:txBody>
+      </p:sp>
+      <p:sp>
+        <p:nvSpPr>
+          <p:cNvPr id="11" name="文本框 10"/>
+          <p:cNvSpPr txBox="1"/>
+          <p:nvPr/>
+        </p:nvSpPr>
+        <p:spPr>
+          <a:xfrm>
+            <a:off x="4726845" y="3137108"/>
+            <a:ext cx="2905258" cy="1569660"/>
+          </a:xfrm>
+          <a:prstGeom prst="rect">
+            <a:avLst/>
+          </a:prstGeom>
+          <a:noFill/>
+        </p:spPr>
+        <p:txBody>
+          <a:bodyPr wrap="square" rtlCol="0">
+            <a:spAutoFit/>
+          </a:bodyPr>
+          <a:lstStyle/>
+          <a:p>
+            <a:pPr algn="ctr"/>
+            <a:r>
+              <a:rPr lang="en-US" altLang="zh-CN" sz="3200" dirty="0">
+                <a:solidFill>
+                  <a:schemeClr val="bg1"/>
+                </a:solidFill>
+                <a:latin typeface="+mj-lt"/>
+              </a:rPr>
+              <a:t>2</a:t>
+            </a:r>
+            <a:r>
+              <a:rPr lang="zh-CN" altLang="en-US" sz="3200" dirty="0">
+                <a:solidFill>
+                  <a:schemeClr val="bg1"/>
+                </a:solidFill>
+                <a:latin typeface="+mj-lt"/>
+              </a:rPr>
+              <a:t>、怎么识别出</a:t>
+            </a:r>
+            <a:endParaRPr lang="en-US" altLang="zh-CN" sz="3200" dirty="0">
+              <a:solidFill>
+                <a:schemeClr val="bg1"/>
+              </a:solidFill>
+              <a:latin typeface="+mj-lt"/>
+            </a:endParaRPr>
+          </a:p>
+          <a:p>
+            <a:pPr algn="ctr"/>
+            <a:r>
+              <a:rPr lang="zh-CN" altLang="en-US" sz="3200" dirty="0">
+                <a:solidFill>
+                  <a:schemeClr val="bg1"/>
+                </a:solidFill>
+                <a:latin typeface="+mj-lt"/>
+              </a:rPr>
+              <a:t>对象是否</a:t>
+            </a:r>
+            <a:endParaRPr lang="en-US" altLang="zh-CN" sz="3200" dirty="0">
+              <a:solidFill>
+                <a:schemeClr val="bg1"/>
+              </a:solidFill>
+              <a:latin typeface="+mj-lt"/>
+            </a:endParaRPr>
+          </a:p>
+          <a:p>
+            <a:pPr algn="ctr"/>
+            <a:r>
+              <a:rPr lang="zh-CN" altLang="en-US" sz="3200" dirty="0">
+                <a:solidFill>
+                  <a:schemeClr val="bg1"/>
+                </a:solidFill>
+                <a:latin typeface="+mj-lt"/>
+              </a:rPr>
+              <a:t>想要睡觉</a:t>
+            </a:r>
+          </a:p>
+        </p:txBody>
+      </p:sp>
+      <p:sp>
+        <p:nvSpPr>
+          <p:cNvPr id="22" name="椭圆 21"/>
+          <p:cNvSpPr/>
+          <p:nvPr/>
+        </p:nvSpPr>
+        <p:spPr>
+          <a:xfrm>
+            <a:off x="-1226820" y="-1346917"/>
+            <a:ext cx="2453640" cy="2453640"/>
+          </a:xfrm>
+          <a:prstGeom prst="ellipse">
+            <a:avLst/>
+          </a:prstGeom>
+          <a:solidFill>
+            <a:srgbClr val="48A2A0">
+              <a:alpha val="70000"/>
+            </a:srgbClr>
+          </a:solidFill>
+          <a:ln>
+            <a:noFill/>
+          </a:ln>
+        </p:spPr>
+        <p:style>
+          <a:lnRef idx="2">
+            <a:schemeClr val="accent1">
+              <a:shade val="50000"/>
+            </a:schemeClr>
+          </a:lnRef>
+          <a:fillRef idx="1">
+            <a:schemeClr val="accent1"/>
+          </a:fillRef>
+          <a:effectRef idx="0">
+            <a:schemeClr val="accent1"/>
+          </a:effectRef>
+          <a:fontRef idx="minor">
+            <a:schemeClr val="lt1"/>
+          </a:fontRef>
+        </p:style>
+        <p:txBody>
+          <a:bodyPr rtlCol="0" anchor="ctr"/>
+          <a:lstStyle/>
+          <a:p>
+            <a:pPr algn="ctr"/>
+            <a:endParaRPr lang="zh-CN" altLang="en-US"/>
+          </a:p>
+        </p:txBody>
+      </p:sp>
+      <p:sp>
+        <p:nvSpPr>
+          <p:cNvPr id="23" name="椭圆 22"/>
+          <p:cNvSpPr/>
+          <p:nvPr/>
+        </p:nvSpPr>
+        <p:spPr>
+          <a:xfrm>
+            <a:off x="434235" y="314138"/>
+            <a:ext cx="792585" cy="792585"/>
+          </a:xfrm>
+          <a:prstGeom prst="ellipse">
+            <a:avLst/>
+          </a:prstGeom>
+          <a:solidFill>
+            <a:srgbClr val="6C92C0">
+              <a:alpha val="70000"/>
+            </a:srgbClr>
+          </a:solidFill>
+          <a:ln>
+            <a:noFill/>
+          </a:ln>
+        </p:spPr>
+        <p:style>
+          <a:lnRef idx="2">
+            <a:schemeClr val="accent1">
+              <a:shade val="50000"/>
+            </a:schemeClr>
+          </a:lnRef>
+          <a:fillRef idx="1">
+            <a:schemeClr val="accent1"/>
+          </a:fillRef>
+          <a:effectRef idx="0">
+            <a:schemeClr val="accent1"/>
+          </a:effectRef>
+          <a:fontRef idx="minor">
+            <a:schemeClr val="lt1"/>
+          </a:fontRef>
+        </p:style>
+        <p:txBody>
+          <a:bodyPr rtlCol="0" anchor="ctr"/>
+          <a:lstStyle/>
+          <a:p>
+            <a:pPr algn="ctr"/>
+            <a:endParaRPr lang="zh-CN" altLang="en-US"/>
+          </a:p>
+        </p:txBody>
+      </p:sp>
+      <p:sp>
+        <p:nvSpPr>
+          <p:cNvPr id="24" name="矩形 23"/>
+          <p:cNvSpPr/>
+          <p:nvPr/>
+        </p:nvSpPr>
+        <p:spPr>
+          <a:xfrm>
+            <a:off x="1344023" y="448348"/>
+            <a:ext cx="1980029" cy="400110"/>
+          </a:xfrm>
+          <a:prstGeom prst="rect">
+            <a:avLst/>
+          </a:prstGeom>
+        </p:spPr>
+        <p:txBody>
+          <a:bodyPr wrap="none">
+            <a:spAutoFit/>
+          </a:bodyPr>
+          <a:lstStyle/>
+          <a:p>
+            <a:r>
+              <a:rPr lang="zh-CN" altLang="en-US" sz="2000" b="1" dirty="0">
+                <a:solidFill>
+                  <a:schemeClr val="tx1">
+                    <a:lumMod val="75000"/>
+                    <a:lumOff val="25000"/>
+                  </a:schemeClr>
+                </a:solidFill>
+              </a:rPr>
+              <a:t>关键技术与难点</a:t>
+            </a:r>
+          </a:p>
+        </p:txBody>
+      </p:sp>
+      <p:sp>
+        <p:nvSpPr>
+          <p:cNvPr id="27" name="椭圆 26"/>
+          <p:cNvSpPr/>
+          <p:nvPr/>
+        </p:nvSpPr>
+        <p:spPr>
+          <a:xfrm>
+            <a:off x="8150440" y="2096495"/>
+            <a:ext cx="3139440" cy="3139440"/>
+          </a:xfrm>
+          <a:prstGeom prst="ellipse">
+            <a:avLst/>
+          </a:prstGeom>
+          <a:solidFill>
+            <a:srgbClr val="48A2A0">
+              <a:alpha val="70000"/>
+            </a:srgbClr>
+          </a:solidFill>
+          <a:ln>
+            <a:noFill/>
+          </a:ln>
+        </p:spPr>
+        <p:style>
+          <a:lnRef idx="2">
+            <a:schemeClr val="accent1">
+              <a:shade val="50000"/>
+            </a:schemeClr>
+          </a:lnRef>
+          <a:fillRef idx="1">
+            <a:schemeClr val="accent1"/>
+          </a:fillRef>
+          <a:effectRef idx="0">
+            <a:schemeClr val="accent1"/>
+          </a:effectRef>
+          <a:fontRef idx="minor">
+            <a:schemeClr val="lt1"/>
+          </a:fontRef>
+        </p:style>
+        <p:txBody>
+          <a:bodyPr rtlCol="0" anchor="ctr"/>
+          <a:lstStyle/>
+          <a:p>
+            <a:pPr algn="ctr"/>
+            <a:endParaRPr lang="zh-CN" altLang="en-US"/>
+          </a:p>
+        </p:txBody>
+      </p:sp>
+      <p:sp>
+        <p:nvSpPr>
+          <p:cNvPr id="26" name="文本框 25"/>
+          <p:cNvSpPr txBox="1"/>
+          <p:nvPr/>
+        </p:nvSpPr>
+        <p:spPr>
+          <a:xfrm>
+            <a:off x="8063745" y="3127606"/>
+            <a:ext cx="3139440" cy="1200329"/>
+          </a:xfrm>
+          <a:prstGeom prst="rect">
+            <a:avLst/>
+          </a:prstGeom>
+          <a:noFill/>
+        </p:spPr>
+        <p:txBody>
+          <a:bodyPr wrap="square" rtlCol="0">
+            <a:spAutoFit/>
+          </a:bodyPr>
+          <a:lstStyle/>
+          <a:p>
+            <a:pPr algn="ctr"/>
+            <a:r>
+              <a:rPr lang="en-US" altLang="zh-CN" sz="3600" dirty="0">
+                <a:solidFill>
+                  <a:schemeClr val="bg1"/>
+                </a:solidFill>
+                <a:latin typeface="+mj-lt"/>
+              </a:rPr>
+              <a:t>3</a:t>
+            </a:r>
+            <a:r>
+              <a:rPr lang="zh-CN" altLang="en-US" sz="3600" dirty="0">
+                <a:solidFill>
+                  <a:schemeClr val="bg1"/>
+                </a:solidFill>
+                <a:latin typeface="+mj-lt"/>
+              </a:rPr>
+              <a:t>、创建自己</a:t>
+            </a:r>
+            <a:endParaRPr lang="en-US" altLang="zh-CN" sz="3600" dirty="0">
+              <a:solidFill>
+                <a:schemeClr val="bg1"/>
+              </a:solidFill>
+              <a:latin typeface="+mj-lt"/>
+            </a:endParaRPr>
+          </a:p>
+          <a:p>
+            <a:pPr algn="ctr"/>
+            <a:r>
+              <a:rPr lang="zh-CN" altLang="en-US" sz="3600" dirty="0">
+                <a:solidFill>
+                  <a:schemeClr val="bg1"/>
+                </a:solidFill>
+                <a:latin typeface="+mj-lt"/>
+              </a:rPr>
+              <a:t>的数据集</a:t>
+            </a:r>
+          </a:p>
+        </p:txBody>
+      </p:sp>
+    </p:spTree>
+    <p:extLst>
+      <p:ext uri="{BB962C8B-B14F-4D97-AF65-F5344CB8AC3E}">
+        <p14:creationId xmlns:p14="http://schemas.microsoft.com/office/powerpoint/2010/main" val="2234958929"/>
+      </p:ext>
+    </p:extLst>
+  </p:cSld>
+  <p:clrMapOvr>
+    <a:masterClrMapping/>
+  </p:clrMapOvr>
+</p:sld>
+</file>
+
+<file path=ppt/slides/slide7.xml><?xml version="1.0" encoding="utf-8"?>
+<p:sld xmlns:a="http://schemas.openxmlformats.org/drawingml/2006/main" xmlns:r="http://schemas.openxmlformats.org/officeDocument/2006/relationships" xmlns:p="http://schemas.openxmlformats.org/presentationml/2006/main">
+  <p:cSld>
+    <p:spTree>
+      <p:nvGrpSpPr>
+        <p:cNvPr id="1" name=""/>
+        <p:cNvGrpSpPr/>
+        <p:nvPr/>
+      </p:nvGrpSpPr>
+      <p:grpSpPr>
+        <a:xfrm>
+          <a:off x="0" y="0"/>
+          <a:ext cx="0" cy="0"/>
+          <a:chOff x="0" y="0"/>
+          <a:chExt cx="0" cy="0"/>
+        </a:xfrm>
+      </p:grpSpPr>
+      <p:sp>
+        <p:nvSpPr>
+          <p:cNvPr id="15" name="矩形 14"/>
+          <p:cNvSpPr/>
+          <p:nvPr/>
+        </p:nvSpPr>
+        <p:spPr>
+          <a:xfrm>
+            <a:off x="4595965" y="1696724"/>
+            <a:ext cx="2595084" cy="369332"/>
+          </a:xfrm>
+          <a:prstGeom prst="rect">
+            <a:avLst/>
+          </a:prstGeom>
+        </p:spPr>
+        <p:txBody>
+          <a:bodyPr wrap="square">
+            <a:spAutoFit/>
+          </a:bodyPr>
+          <a:lstStyle/>
+          <a:p>
+            <a:r>
+              <a:rPr lang="zh-CN" altLang="en-US" dirty="0">
+                <a:solidFill>
+                  <a:schemeClr val="tx1">
+                    <a:lumMod val="75000"/>
+                    <a:lumOff val="25000"/>
+                  </a:schemeClr>
+                </a:solidFill>
+              </a:rPr>
+              <a:t>课题选题，调研</a:t>
+            </a:r>
+          </a:p>
+        </p:txBody>
+      </p:sp>
+      <p:sp>
+        <p:nvSpPr>
+          <p:cNvPr id="18" name="矩形 17"/>
+          <p:cNvSpPr/>
+          <p:nvPr/>
+        </p:nvSpPr>
+        <p:spPr>
+          <a:xfrm>
+            <a:off x="4595965" y="2275000"/>
+            <a:ext cx="2595084" cy="369332"/>
+          </a:xfrm>
+          <a:prstGeom prst="rect">
+            <a:avLst/>
+          </a:prstGeom>
+        </p:spPr>
+        <p:txBody>
+          <a:bodyPr wrap="square">
+            <a:spAutoFit/>
+          </a:bodyPr>
+          <a:lstStyle/>
+          <a:p>
+            <a:r>
+              <a:rPr lang="zh-CN" altLang="en-US" dirty="0">
+                <a:solidFill>
+                  <a:schemeClr val="tx1">
+                    <a:lumMod val="75000"/>
+                    <a:lumOff val="25000"/>
+                  </a:schemeClr>
+                </a:solidFill>
+              </a:rPr>
+              <a:t>方案设计</a:t>
+            </a:r>
+          </a:p>
+        </p:txBody>
+      </p:sp>
+      <p:sp>
+        <p:nvSpPr>
+          <p:cNvPr id="19" name="文本框 18"/>
+          <p:cNvSpPr txBox="1"/>
+          <p:nvPr/>
+        </p:nvSpPr>
+        <p:spPr>
+          <a:xfrm>
+            <a:off x="3060005" y="1695960"/>
+            <a:ext cx="764953" cy="360000"/>
+          </a:xfrm>
+          <a:prstGeom prst="rect">
+            <a:avLst/>
+          </a:prstGeom>
+          <a:noFill/>
+        </p:spPr>
+        <p:txBody>
+          <a:bodyPr wrap="none" rtlCol="0">
+            <a:spAutoFit/>
+          </a:bodyPr>
+          <a:lstStyle/>
+          <a:p>
+            <a:pPr algn="r"/>
+            <a:r>
+              <a:rPr lang="zh-CN" altLang="en-US" dirty="0">
+                <a:solidFill>
+                  <a:schemeClr val="tx1">
+                    <a:lumMod val="75000"/>
+                    <a:lumOff val="25000"/>
+                  </a:schemeClr>
+                </a:solidFill>
+                <a:latin typeface="+mj-lt"/>
+              </a:rPr>
+              <a:t>第</a:t>
+            </a:r>
+            <a:r>
+              <a:rPr lang="en-US" altLang="zh-CN" dirty="0">
+                <a:solidFill>
+                  <a:schemeClr val="tx1">
+                    <a:lumMod val="75000"/>
+                    <a:lumOff val="25000"/>
+                  </a:schemeClr>
+                </a:solidFill>
+                <a:latin typeface="+mj-lt"/>
+              </a:rPr>
+              <a:t>2</a:t>
+            </a:r>
+            <a:r>
+              <a:rPr lang="zh-CN" altLang="en-US" dirty="0">
+                <a:solidFill>
+                  <a:schemeClr val="tx1">
+                    <a:lumMod val="75000"/>
+                    <a:lumOff val="25000"/>
+                  </a:schemeClr>
+                </a:solidFill>
+                <a:latin typeface="+mj-lt"/>
+              </a:rPr>
+              <a:t>周</a:t>
+            </a:r>
+            <a:endParaRPr lang="zh-CN" altLang="en-US" sz="1400" i="1" dirty="0">
+              <a:solidFill>
+                <a:schemeClr val="tx1">
+                  <a:lumMod val="75000"/>
+                  <a:lumOff val="25000"/>
+                </a:schemeClr>
+              </a:solidFill>
+            </a:endParaRPr>
+          </a:p>
+        </p:txBody>
+      </p:sp>
+      <p:sp>
+        <p:nvSpPr>
+          <p:cNvPr id="21" name="矩形 20"/>
+          <p:cNvSpPr/>
+          <p:nvPr/>
+        </p:nvSpPr>
+        <p:spPr>
+          <a:xfrm>
+            <a:off x="4595965" y="5203541"/>
+            <a:ext cx="2595084" cy="369332"/>
+          </a:xfrm>
+          <a:prstGeom prst="rect">
+            <a:avLst/>
+          </a:prstGeom>
+        </p:spPr>
+        <p:txBody>
+          <a:bodyPr wrap="square">
+            <a:spAutoFit/>
+          </a:bodyPr>
+          <a:lstStyle/>
+          <a:p>
+            <a:r>
+              <a:rPr lang="zh-CN" altLang="en-US" dirty="0">
+                <a:solidFill>
+                  <a:schemeClr val="tx1">
+                    <a:lumMod val="75000"/>
+                    <a:lumOff val="25000"/>
+                  </a:schemeClr>
+                </a:solidFill>
+              </a:rPr>
+              <a:t>验收，答辩</a:t>
+            </a:r>
+          </a:p>
+        </p:txBody>
+      </p:sp>
+      <p:sp>
+        <p:nvSpPr>
+          <p:cNvPr id="22" name="椭圆 21"/>
+          <p:cNvSpPr/>
+          <p:nvPr/>
+        </p:nvSpPr>
+        <p:spPr>
+          <a:xfrm>
+            <a:off x="-1226820" y="-1346917"/>
+            <a:ext cx="2453640" cy="2453640"/>
+          </a:xfrm>
+          <a:prstGeom prst="ellipse">
+            <a:avLst/>
+          </a:prstGeom>
+          <a:solidFill>
+            <a:srgbClr val="48A2A0">
+              <a:alpha val="70000"/>
+            </a:srgbClr>
+          </a:solidFill>
+          <a:ln>
+            <a:noFill/>
+          </a:ln>
+        </p:spPr>
+        <p:style>
+          <a:lnRef idx="2">
+            <a:schemeClr val="accent1">
+              <a:shade val="50000"/>
+            </a:schemeClr>
+          </a:lnRef>
+          <a:fillRef idx="1">
+            <a:schemeClr val="accent1"/>
+          </a:fillRef>
+          <a:effectRef idx="0">
+            <a:schemeClr val="accent1"/>
+          </a:effectRef>
+          <a:fontRef idx="minor">
+            <a:schemeClr val="lt1"/>
+          </a:fontRef>
+        </p:style>
+        <p:txBody>
+          <a:bodyPr rtlCol="0" anchor="ctr"/>
+          <a:lstStyle/>
+          <a:p>
+            <a:pPr algn="ctr"/>
+            <a:endParaRPr lang="zh-CN" altLang="en-US"/>
+          </a:p>
+        </p:txBody>
+      </p:sp>
+      <p:sp>
+        <p:nvSpPr>
+          <p:cNvPr id="23" name="椭圆 22"/>
+          <p:cNvSpPr/>
+          <p:nvPr/>
+        </p:nvSpPr>
+        <p:spPr>
+          <a:xfrm>
+            <a:off x="434235" y="314138"/>
+            <a:ext cx="792585" cy="792585"/>
+          </a:xfrm>
+          <a:prstGeom prst="ellipse">
+            <a:avLst/>
+          </a:prstGeom>
+          <a:solidFill>
+            <a:srgbClr val="6C92C0">
+              <a:alpha val="70000"/>
+            </a:srgbClr>
+          </a:solidFill>
+          <a:ln>
+            <a:noFill/>
+          </a:ln>
+        </p:spPr>
+        <p:style>
+          <a:lnRef idx="2">
+            <a:schemeClr val="accent1">
+              <a:shade val="50000"/>
+            </a:schemeClr>
+          </a:lnRef>
+          <a:fillRef idx="1">
+            <a:schemeClr val="accent1"/>
+          </a:fillRef>
+          <a:effectRef idx="0">
+            <a:schemeClr val="accent1"/>
+          </a:effectRef>
+          <a:fontRef idx="minor">
+            <a:schemeClr val="lt1"/>
+          </a:fontRef>
+        </p:style>
+        <p:txBody>
+          <a:bodyPr rtlCol="0" anchor="ctr"/>
+          <a:lstStyle/>
+          <a:p>
+            <a:pPr algn="ctr"/>
+            <a:endParaRPr lang="zh-CN" altLang="en-US"/>
+          </a:p>
+        </p:txBody>
+      </p:sp>
+      <p:sp>
+        <p:nvSpPr>
+          <p:cNvPr id="24" name="矩形 23"/>
+          <p:cNvSpPr/>
+          <p:nvPr/>
+        </p:nvSpPr>
+        <p:spPr>
+          <a:xfrm>
+            <a:off x="1344023" y="448348"/>
+            <a:ext cx="2492990" cy="400110"/>
+          </a:xfrm>
+          <a:prstGeom prst="rect">
+            <a:avLst/>
+          </a:prstGeom>
+        </p:spPr>
+        <p:txBody>
+          <a:bodyPr wrap="none">
+            <a:spAutoFit/>
+          </a:bodyPr>
+          <a:lstStyle/>
+          <a:p>
+            <a:r>
+              <a:rPr lang="zh-CN" altLang="en-US" sz="2000" b="1" dirty="0">
+                <a:solidFill>
+                  <a:schemeClr val="tx1">
+                    <a:lumMod val="75000"/>
+                    <a:lumOff val="25000"/>
+                  </a:schemeClr>
+                </a:solidFill>
+              </a:rPr>
+              <a:t>课题内容与进度安排</a:t>
+            </a:r>
+          </a:p>
+        </p:txBody>
+      </p:sp>
+      <p:sp>
+        <p:nvSpPr>
+          <p:cNvPr id="25" name="文本框 24"/>
+          <p:cNvSpPr txBox="1"/>
+          <p:nvPr/>
+        </p:nvSpPr>
+        <p:spPr>
+          <a:xfrm>
+            <a:off x="3060009" y="2284332"/>
+            <a:ext cx="764953" cy="360000"/>
+          </a:xfrm>
+          <a:prstGeom prst="rect">
+            <a:avLst/>
+          </a:prstGeom>
+          <a:noFill/>
+        </p:spPr>
+        <p:txBody>
+          <a:bodyPr wrap="none" rtlCol="0">
+            <a:spAutoFit/>
+          </a:bodyPr>
+          <a:lstStyle/>
+          <a:p>
+            <a:pPr algn="r"/>
+            <a:r>
+              <a:rPr lang="zh-CN" altLang="en-US" dirty="0">
+                <a:solidFill>
+                  <a:schemeClr val="tx1">
+                    <a:lumMod val="75000"/>
+                    <a:lumOff val="25000"/>
+                  </a:schemeClr>
+                </a:solidFill>
+                <a:latin typeface="+mj-lt"/>
+              </a:rPr>
+              <a:t>第</a:t>
+            </a:r>
+            <a:r>
+              <a:rPr lang="en-US" altLang="zh-CN" dirty="0">
+                <a:solidFill>
+                  <a:schemeClr val="tx1">
+                    <a:lumMod val="75000"/>
+                    <a:lumOff val="25000"/>
+                  </a:schemeClr>
+                </a:solidFill>
+                <a:latin typeface="+mj-lt"/>
+              </a:rPr>
+              <a:t>3</a:t>
+            </a:r>
+            <a:r>
+              <a:rPr lang="zh-CN" altLang="en-US" dirty="0">
+                <a:solidFill>
+                  <a:schemeClr val="tx1">
+                    <a:lumMod val="75000"/>
+                    <a:lumOff val="25000"/>
+                  </a:schemeClr>
+                </a:solidFill>
+                <a:latin typeface="+mj-lt"/>
+              </a:rPr>
+              <a:t>周</a:t>
+            </a:r>
+            <a:endParaRPr lang="zh-CN" altLang="en-US" sz="1400" i="1" dirty="0">
+              <a:solidFill>
+                <a:schemeClr val="tx1">
+                  <a:lumMod val="75000"/>
+                  <a:lumOff val="25000"/>
+                </a:schemeClr>
+              </a:solidFill>
+            </a:endParaRPr>
+          </a:p>
+        </p:txBody>
+      </p:sp>
+      <p:sp>
+        <p:nvSpPr>
+          <p:cNvPr id="26" name="文本框 25"/>
+          <p:cNvSpPr txBox="1"/>
+          <p:nvPr/>
+        </p:nvSpPr>
+        <p:spPr>
+          <a:xfrm>
+            <a:off x="3060008" y="2869107"/>
+            <a:ext cx="764953" cy="360000"/>
+          </a:xfrm>
+          <a:prstGeom prst="rect">
+            <a:avLst/>
+          </a:prstGeom>
+          <a:noFill/>
+        </p:spPr>
+        <p:txBody>
+          <a:bodyPr wrap="none" rtlCol="0">
+            <a:spAutoFit/>
+          </a:bodyPr>
+          <a:lstStyle/>
+          <a:p>
+            <a:pPr algn="r"/>
+            <a:r>
+              <a:rPr lang="zh-CN" altLang="en-US" dirty="0">
+                <a:solidFill>
+                  <a:schemeClr val="tx1">
+                    <a:lumMod val="75000"/>
+                    <a:lumOff val="25000"/>
+                  </a:schemeClr>
+                </a:solidFill>
+                <a:latin typeface="+mj-lt"/>
+              </a:rPr>
+              <a:t>第</a:t>
+            </a:r>
+            <a:r>
+              <a:rPr lang="en-US" altLang="zh-CN" dirty="0">
+                <a:solidFill>
+                  <a:schemeClr val="tx1">
+                    <a:lumMod val="75000"/>
+                    <a:lumOff val="25000"/>
+                  </a:schemeClr>
+                </a:solidFill>
+                <a:latin typeface="+mj-lt"/>
+              </a:rPr>
+              <a:t>4</a:t>
+            </a:r>
+            <a:r>
+              <a:rPr lang="zh-CN" altLang="en-US" dirty="0">
+                <a:solidFill>
+                  <a:schemeClr val="tx1">
+                    <a:lumMod val="75000"/>
+                    <a:lumOff val="25000"/>
+                  </a:schemeClr>
+                </a:solidFill>
+                <a:latin typeface="+mj-lt"/>
+              </a:rPr>
+              <a:t>周</a:t>
+            </a:r>
+            <a:endParaRPr lang="zh-CN" altLang="en-US" sz="1400" i="1" dirty="0">
+              <a:solidFill>
+                <a:schemeClr val="tx1">
+                  <a:lumMod val="75000"/>
+                  <a:lumOff val="25000"/>
+                </a:schemeClr>
+              </a:solidFill>
+            </a:endParaRPr>
+          </a:p>
+        </p:txBody>
+      </p:sp>
+      <p:sp>
+        <p:nvSpPr>
+          <p:cNvPr id="27" name="文本框 26"/>
+          <p:cNvSpPr txBox="1"/>
+          <p:nvPr/>
+        </p:nvSpPr>
+        <p:spPr>
+          <a:xfrm>
+            <a:off x="3060005" y="5208207"/>
+            <a:ext cx="764953" cy="360000"/>
+          </a:xfrm>
+          <a:prstGeom prst="rect">
+            <a:avLst/>
+          </a:prstGeom>
+          <a:noFill/>
+        </p:spPr>
+        <p:txBody>
+          <a:bodyPr wrap="none" rtlCol="0">
+            <a:spAutoFit/>
+          </a:bodyPr>
+          <a:lstStyle/>
+          <a:p>
+            <a:pPr algn="r"/>
+            <a:r>
+              <a:rPr lang="zh-CN" altLang="en-US" dirty="0">
+                <a:solidFill>
+                  <a:schemeClr val="tx1">
+                    <a:lumMod val="75000"/>
+                    <a:lumOff val="25000"/>
+                  </a:schemeClr>
+                </a:solidFill>
+                <a:latin typeface="+mj-lt"/>
+              </a:rPr>
+              <a:t>第</a:t>
+            </a:r>
+            <a:r>
+              <a:rPr lang="en-US" altLang="zh-CN" dirty="0">
+                <a:solidFill>
+                  <a:schemeClr val="tx1">
+                    <a:lumMod val="75000"/>
+                    <a:lumOff val="25000"/>
+                  </a:schemeClr>
+                </a:solidFill>
+                <a:latin typeface="+mj-lt"/>
+              </a:rPr>
+              <a:t>8</a:t>
+            </a:r>
+            <a:r>
+              <a:rPr lang="zh-CN" altLang="en-US" dirty="0">
+                <a:solidFill>
+                  <a:schemeClr val="tx1">
+                    <a:lumMod val="75000"/>
+                    <a:lumOff val="25000"/>
+                  </a:schemeClr>
+                </a:solidFill>
+                <a:latin typeface="+mj-lt"/>
+              </a:rPr>
+              <a:t>周</a:t>
+            </a:r>
+            <a:endParaRPr lang="zh-CN" altLang="en-US" sz="1400" i="1" dirty="0">
+              <a:solidFill>
+                <a:schemeClr val="tx1">
+                  <a:lumMod val="75000"/>
+                  <a:lumOff val="25000"/>
+                </a:schemeClr>
+              </a:solidFill>
+            </a:endParaRPr>
+          </a:p>
+        </p:txBody>
+      </p:sp>
+      <p:sp>
+        <p:nvSpPr>
+          <p:cNvPr id="28" name="文本框 27"/>
+          <p:cNvSpPr txBox="1"/>
+          <p:nvPr/>
+        </p:nvSpPr>
+        <p:spPr>
+          <a:xfrm>
+            <a:off x="3079063" y="3453882"/>
+            <a:ext cx="764953" cy="360000"/>
+          </a:xfrm>
+          <a:prstGeom prst="rect">
+            <a:avLst/>
+          </a:prstGeom>
+          <a:noFill/>
+        </p:spPr>
+        <p:txBody>
+          <a:bodyPr wrap="none" rtlCol="0">
+            <a:spAutoFit/>
+          </a:bodyPr>
+          <a:lstStyle/>
+          <a:p>
+            <a:pPr algn="r"/>
+            <a:r>
+              <a:rPr lang="zh-CN" altLang="en-US" dirty="0">
+                <a:solidFill>
+                  <a:schemeClr val="tx1">
+                    <a:lumMod val="75000"/>
+                    <a:lumOff val="25000"/>
+                  </a:schemeClr>
+                </a:solidFill>
+                <a:latin typeface="+mj-lt"/>
+              </a:rPr>
+              <a:t>第</a:t>
+            </a:r>
+            <a:r>
+              <a:rPr lang="en-US" altLang="zh-CN" dirty="0">
+                <a:solidFill>
+                  <a:schemeClr val="tx1">
+                    <a:lumMod val="75000"/>
+                    <a:lumOff val="25000"/>
+                  </a:schemeClr>
+                </a:solidFill>
+                <a:latin typeface="+mj-lt"/>
+              </a:rPr>
+              <a:t>5</a:t>
+            </a:r>
+            <a:r>
+              <a:rPr lang="zh-CN" altLang="en-US" dirty="0">
+                <a:solidFill>
+                  <a:schemeClr val="tx1">
+                    <a:lumMod val="75000"/>
+                    <a:lumOff val="25000"/>
+                  </a:schemeClr>
+                </a:solidFill>
+                <a:latin typeface="+mj-lt"/>
+              </a:rPr>
+              <a:t>周</a:t>
+            </a:r>
+            <a:endParaRPr lang="zh-CN" altLang="en-US" sz="1400" i="1" dirty="0">
+              <a:solidFill>
+                <a:schemeClr val="tx1">
+                  <a:lumMod val="75000"/>
+                  <a:lumOff val="25000"/>
+                </a:schemeClr>
+              </a:solidFill>
+            </a:endParaRPr>
+          </a:p>
+        </p:txBody>
+      </p:sp>
+      <p:sp>
+        <p:nvSpPr>
+          <p:cNvPr id="29" name="文本框 28"/>
+          <p:cNvSpPr txBox="1"/>
+          <p:nvPr/>
+        </p:nvSpPr>
+        <p:spPr>
+          <a:xfrm>
+            <a:off x="3060005" y="4629353"/>
+            <a:ext cx="764953" cy="360000"/>
+          </a:xfrm>
+          <a:prstGeom prst="rect">
+            <a:avLst/>
+          </a:prstGeom>
+          <a:noFill/>
+        </p:spPr>
+        <p:txBody>
+          <a:bodyPr wrap="none" rtlCol="0">
+            <a:spAutoFit/>
+          </a:bodyPr>
+          <a:lstStyle/>
+          <a:p>
+            <a:pPr algn="r"/>
+            <a:r>
+              <a:rPr lang="zh-CN" altLang="en-US" dirty="0">
+                <a:solidFill>
+                  <a:schemeClr val="tx1">
+                    <a:lumMod val="75000"/>
+                    <a:lumOff val="25000"/>
+                  </a:schemeClr>
+                </a:solidFill>
+                <a:latin typeface="+mj-lt"/>
+              </a:rPr>
+              <a:t>第</a:t>
+            </a:r>
+            <a:r>
+              <a:rPr lang="en-US" altLang="zh-CN" dirty="0">
+                <a:solidFill>
+                  <a:schemeClr val="tx1">
+                    <a:lumMod val="75000"/>
+                    <a:lumOff val="25000"/>
+                  </a:schemeClr>
+                </a:solidFill>
+                <a:latin typeface="+mj-lt"/>
+              </a:rPr>
+              <a:t>7</a:t>
+            </a:r>
+            <a:r>
+              <a:rPr lang="zh-CN" altLang="en-US" dirty="0">
+                <a:solidFill>
+                  <a:schemeClr val="tx1">
+                    <a:lumMod val="75000"/>
+                    <a:lumOff val="25000"/>
+                  </a:schemeClr>
+                </a:solidFill>
+                <a:latin typeface="+mj-lt"/>
+              </a:rPr>
+              <a:t>周</a:t>
+            </a:r>
+            <a:endParaRPr lang="zh-CN" altLang="en-US" sz="1400" i="1" dirty="0">
+              <a:solidFill>
+                <a:schemeClr val="tx1">
+                  <a:lumMod val="75000"/>
+                  <a:lumOff val="25000"/>
+                </a:schemeClr>
+              </a:solidFill>
+            </a:endParaRPr>
+          </a:p>
+        </p:txBody>
+      </p:sp>
+      <p:sp>
+        <p:nvSpPr>
+          <p:cNvPr id="30" name="文本框 29"/>
+          <p:cNvSpPr txBox="1"/>
+          <p:nvPr/>
+        </p:nvSpPr>
+        <p:spPr>
+          <a:xfrm>
+            <a:off x="3060007" y="4038657"/>
+            <a:ext cx="764953" cy="360000"/>
+          </a:xfrm>
+          <a:prstGeom prst="rect">
+            <a:avLst/>
+          </a:prstGeom>
+          <a:noFill/>
+        </p:spPr>
+        <p:txBody>
+          <a:bodyPr wrap="none" rtlCol="0">
+            <a:spAutoFit/>
+          </a:bodyPr>
+          <a:lstStyle/>
+          <a:p>
+            <a:pPr algn="r"/>
+            <a:r>
+              <a:rPr lang="zh-CN" altLang="en-US" dirty="0">
+                <a:solidFill>
+                  <a:schemeClr val="tx1">
+                    <a:lumMod val="75000"/>
+                    <a:lumOff val="25000"/>
+                  </a:schemeClr>
+                </a:solidFill>
+                <a:latin typeface="+mj-lt"/>
+              </a:rPr>
+              <a:t>第</a:t>
+            </a:r>
+            <a:r>
+              <a:rPr lang="en-US" altLang="zh-CN" dirty="0">
+                <a:solidFill>
+                  <a:schemeClr val="tx1">
+                    <a:lumMod val="75000"/>
+                    <a:lumOff val="25000"/>
+                  </a:schemeClr>
+                </a:solidFill>
+                <a:latin typeface="+mj-lt"/>
+              </a:rPr>
+              <a:t>6</a:t>
+            </a:r>
+            <a:r>
+              <a:rPr lang="zh-CN" altLang="en-US" dirty="0">
+                <a:solidFill>
+                  <a:schemeClr val="tx1">
+                    <a:lumMod val="75000"/>
+                    <a:lumOff val="25000"/>
+                  </a:schemeClr>
+                </a:solidFill>
+                <a:latin typeface="+mj-lt"/>
+              </a:rPr>
+              <a:t>周</a:t>
+            </a:r>
+            <a:endParaRPr lang="zh-CN" altLang="en-US" sz="1400" i="1" dirty="0">
+              <a:solidFill>
+                <a:schemeClr val="tx1">
+                  <a:lumMod val="75000"/>
+                  <a:lumOff val="25000"/>
+                </a:schemeClr>
+              </a:solidFill>
+            </a:endParaRPr>
+          </a:p>
+        </p:txBody>
+      </p:sp>
+      <p:sp>
+        <p:nvSpPr>
+          <p:cNvPr id="33" name="矩形 32"/>
+          <p:cNvSpPr/>
+          <p:nvPr/>
+        </p:nvSpPr>
+        <p:spPr>
+          <a:xfrm>
+            <a:off x="4595964" y="3450704"/>
+            <a:ext cx="4502315" cy="369332"/>
+          </a:xfrm>
+          <a:prstGeom prst="rect">
+            <a:avLst/>
+          </a:prstGeom>
+        </p:spPr>
+        <p:txBody>
+          <a:bodyPr wrap="square">
+            <a:spAutoFit/>
+          </a:bodyPr>
+          <a:lstStyle/>
+          <a:p>
+            <a:r>
+              <a:rPr lang="zh-CN" altLang="en-US" dirty="0">
+                <a:solidFill>
+                  <a:schemeClr val="tx1">
+                    <a:lumMod val="75000"/>
+                    <a:lumOff val="25000"/>
+                  </a:schemeClr>
+                </a:solidFill>
+              </a:rPr>
+              <a:t>建立自己的数据集并进行相对应的学习</a:t>
+            </a:r>
+          </a:p>
+        </p:txBody>
+      </p:sp>
+      <p:sp>
+        <p:nvSpPr>
+          <p:cNvPr id="36" name="矩形 35"/>
+          <p:cNvSpPr/>
+          <p:nvPr/>
+        </p:nvSpPr>
+        <p:spPr>
+          <a:xfrm>
+            <a:off x="4595965" y="4045105"/>
+            <a:ext cx="2595084" cy="369332"/>
+          </a:xfrm>
+          <a:prstGeom prst="rect">
+            <a:avLst/>
+          </a:prstGeom>
+        </p:spPr>
+        <p:txBody>
+          <a:bodyPr wrap="square">
+            <a:spAutoFit/>
+          </a:bodyPr>
+          <a:lstStyle/>
+          <a:p>
+            <a:r>
+              <a:rPr lang="zh-CN" altLang="en-US" dirty="0">
+                <a:solidFill>
+                  <a:schemeClr val="tx1">
+                    <a:lumMod val="75000"/>
+                    <a:lumOff val="25000"/>
+                  </a:schemeClr>
+                </a:solidFill>
+              </a:rPr>
+              <a:t>完成全部代码</a:t>
+            </a:r>
+          </a:p>
+        </p:txBody>
+      </p:sp>
+      <p:sp>
+        <p:nvSpPr>
+          <p:cNvPr id="38" name="矩形 37"/>
+          <p:cNvSpPr/>
+          <p:nvPr/>
+        </p:nvSpPr>
+        <p:spPr>
+          <a:xfrm>
+            <a:off x="4595965" y="4624323"/>
+            <a:ext cx="2595084" cy="369332"/>
+          </a:xfrm>
+          <a:prstGeom prst="rect">
+            <a:avLst/>
+          </a:prstGeom>
+        </p:spPr>
+        <p:txBody>
+          <a:bodyPr wrap="square">
+            <a:spAutoFit/>
+          </a:bodyPr>
+          <a:lstStyle/>
+          <a:p>
+            <a:r>
+              <a:rPr lang="zh-CN" altLang="en-US" dirty="0">
+                <a:solidFill>
+                  <a:schemeClr val="tx1">
+                    <a:lumMod val="75000"/>
+                    <a:lumOff val="25000"/>
+                  </a:schemeClr>
+                </a:solidFill>
+              </a:rPr>
+              <a:t>调试，撰写答辩报告</a:t>
+            </a:r>
+          </a:p>
+        </p:txBody>
+      </p:sp>
+      <p:sp>
+        <p:nvSpPr>
+          <p:cNvPr id="39" name="矩形 38"/>
+          <p:cNvSpPr/>
+          <p:nvPr/>
+        </p:nvSpPr>
+        <p:spPr>
+          <a:xfrm>
+            <a:off x="4595964" y="2869107"/>
+            <a:ext cx="2966123" cy="369332"/>
+          </a:xfrm>
+          <a:prstGeom prst="rect">
+            <a:avLst/>
+          </a:prstGeom>
+        </p:spPr>
+        <p:txBody>
+          <a:bodyPr wrap="square">
+            <a:spAutoFit/>
+          </a:bodyPr>
+          <a:lstStyle/>
+          <a:p>
+            <a:r>
+              <a:rPr lang="zh-CN" altLang="en-US" dirty="0">
+                <a:solidFill>
+                  <a:schemeClr val="tx1">
+                    <a:lumMod val="75000"/>
+                    <a:lumOff val="25000"/>
+                  </a:schemeClr>
+                </a:solidFill>
+              </a:rPr>
+              <a:t>学习人脸识别和机器学习</a:t>
+            </a:r>
+          </a:p>
+        </p:txBody>
+      </p:sp>
+    </p:spTree>
+    <p:extLst>
+      <p:ext uri="{BB962C8B-B14F-4D97-AF65-F5344CB8AC3E}">
+        <p14:creationId xmlns:p14="http://schemas.microsoft.com/office/powerpoint/2010/main" val="1302398918"/>
+      </p:ext>
+    </p:extLst>
+  </p:cSld>
+  <p:clrMapOvr>
+    <a:masterClrMapping/>
+  </p:clrMapOvr>
+</p:sld>
+</file>
+
+<file path=ppt/slides/slide8.xml><?xml version="1.0" encoding="utf-8"?>
+<p:sld xmlns:a="http://schemas.openxmlformats.org/drawingml/2006/main" xmlns:r="http://schemas.openxmlformats.org/officeDocument/2006/relationships" xmlns:p="http://schemas.openxmlformats.org/presentationml/2006/main">
+  <p:cSld>
+    <p:spTree>
+      <p:nvGrpSpPr>
+        <p:cNvPr id="1" name=""/>
+        <p:cNvGrpSpPr/>
+        <p:nvPr/>
+      </p:nvGrpSpPr>
+      <p:grpSpPr>
+        <a:xfrm>
+          <a:off x="0" y="0"/>
+          <a:ext cx="0" cy="0"/>
+          <a:chOff x="0" y="0"/>
+          <a:chExt cx="0" cy="0"/>
+        </a:xfrm>
+      </p:grpSpPr>
+      <p:sp>
+        <p:nvSpPr>
           <p:cNvPr id="2" name="椭圆 1"/>
           <p:cNvSpPr/>
           <p:nvPr/>
@@ -5824,7 +7099,7 @@
 </file>
 
 <file path=ppt/tags/tag1.xml><?xml version="1.0" encoding="utf-8"?>
-<p:tagLst xmlns:p="http://schemas.openxmlformats.org/presentationml/2006/main">
+<p:tagLst xmlns:a="http://schemas.openxmlformats.org/drawingml/2006/main" xmlns:r="http://schemas.openxmlformats.org/officeDocument/2006/relationships" xmlns:p="http://schemas.openxmlformats.org/presentationml/2006/main">
   <p:tag name="MH" val="20151230141854"/>
   <p:tag name="MH_LIBRARY" val="CONTENTS"/>
   <p:tag name="MH_TYPE" val="OTHERS"/>
@@ -6083,6 +7358,8 @@
       </a:bgFillStyleLst>
     </a:fmtScheme>
   </a:themeElements>
+  <a:objectDefaults/>
+  <a:extraClrSchemeLst/>
   <a:extLst>
     <a:ext uri="{05A4C25C-085E-4340-85A3-A5531E510DB2}">
       <thm15:themeFamily xmlns:thm15="http://schemas.microsoft.com/office/thememl/2012/main" name="Office Theme" id="{62F939B6-93AF-4DB8-9C6B-D6C7DFDC589F}" vid="{4A3C46E8-61CC-4603-A589-7422A47A8E4A}"/>
@@ -6342,6 +7619,8 @@
       </a:bgFillStyleLst>
     </a:fmtScheme>
   </a:themeElements>
+  <a:objectDefaults/>
+  <a:extraClrSchemeLst/>
   <a:extLst>
     <a:ext uri="{05A4C25C-085E-4340-85A3-A5531E510DB2}">
       <thm15:themeFamily xmlns:thm15="http://schemas.microsoft.com/office/thememl/2012/main" name="Office Theme" id="{62F939B6-93AF-4DB8-9C6B-D6C7DFDC589F}" vid="{4A3C46E8-61CC-4603-A589-7422A47A8E4A}"/>
